--- a/docs/description.pptx
+++ b/docs/description.pptx
@@ -104,6 +104,11 @@
       </a:defRPr>
     </a:lvl9pPr>
   </p:defaultTextStyle>
+  <p:extLst>
+    <p:ext uri="{EFAFB233-063F-42B5-8137-9DF3F51BA10A}">
+      <p15:sldGuideLst xmlns:p15="http://schemas.microsoft.com/office/powerpoint/2012/main"/>
+    </p:ext>
+  </p:extLst>
 </p:presentation>
 </file>
 
@@ -3269,10 +3274,10 @@
       </p:grpSpPr>
       <p:pic>
         <p:nvPicPr>
-          <p:cNvPr id="3" name="図 2" descr="テキスト, ホワイトボード&#10;&#10;自動的に生成された説明">
+          <p:cNvPr id="5" name="図 4" descr="グラフィカル ユーザー インターフェイス, テキスト, アプリケーション&#10;&#10;自動的に生成された説明">
             <a:extLst>
               <a:ext uri="{FF2B5EF4-FFF2-40B4-BE49-F238E27FC236}">
-                <a16:creationId xmlns:a16="http://schemas.microsoft.com/office/drawing/2014/main" id="{9AA7E5BF-748F-5ED2-1A21-98E291D797D5}"/>
+                <a16:creationId xmlns:a16="http://schemas.microsoft.com/office/drawing/2014/main" id="{B6862A0E-21AB-4798-D379-2E4FC1600074}"/>
               </a:ext>
             </a:extLst>
           </p:cNvPr>
@@ -3289,8 +3294,8 @@
         </p:blipFill>
         <p:spPr>
           <a:xfrm>
-            <a:off x="753717" y="1607085"/>
-            <a:ext cx="6479840" cy="6295754"/>
+            <a:off x="3131344" y="2761456"/>
+            <a:ext cx="9994900" cy="4635500"/>
           </a:xfrm>
           <a:prstGeom prst="rect">
             <a:avLst/>
@@ -3299,149 +3304,84 @@
       </p:pic>
       <p:sp>
         <p:nvSpPr>
-          <p:cNvPr id="4" name="テキスト ボックス 3">
+          <p:cNvPr id="6" name="角丸四角形吹き出し 5">
             <a:extLst>
               <a:ext uri="{FF2B5EF4-FFF2-40B4-BE49-F238E27FC236}">
-                <a16:creationId xmlns:a16="http://schemas.microsoft.com/office/drawing/2014/main" id="{6F543BF6-BF9F-9D35-968F-55487D6BD44E}"/>
+                <a16:creationId xmlns:a16="http://schemas.microsoft.com/office/drawing/2014/main" id="{96AFFA22-C636-8A47-8318-53955A3DEAE2}"/>
               </a:ext>
             </a:extLst>
           </p:cNvPr>
-          <p:cNvSpPr txBox="1"/>
+          <p:cNvSpPr/>
           <p:nvPr/>
         </p:nvSpPr>
         <p:spPr>
           <a:xfrm>
-            <a:off x="7378325" y="3462300"/>
-            <a:ext cx="8456802" cy="2585323"/>
+            <a:off x="2038890" y="4755810"/>
+            <a:ext cx="6089904" cy="3675888"/>
           </a:xfrm>
-          <a:prstGeom prst="rect">
-            <a:avLst/>
+          <a:prstGeom prst="wedgeRoundRectCallout">
+            <a:avLst>
+              <a:gd name="adj1" fmla="val 60859"/>
+              <a:gd name="adj2" fmla="val -44592"/>
+              <a:gd name="adj3" fmla="val 16667"/>
+            </a:avLst>
           </a:prstGeom>
-          <a:noFill/>
+          <a:solidFill>
+            <a:schemeClr val="accent4">
+              <a:lumMod val="40000"/>
+              <a:lumOff val="60000"/>
+            </a:schemeClr>
+          </a:solidFill>
         </p:spPr>
-        <p:txBody>
-          <a:bodyPr wrap="none" lIns="0" rtlCol="0">
-            <a:spAutoFit/>
-          </a:bodyPr>
-          <a:lstStyle/>
-          <a:p>
-            <a:r>
-              <a:rPr lang="ja-JP" altLang="en-US" sz="5400" b="1">
+        <p:style>
+          <a:lnRef idx="2">
+            <a:schemeClr val="accent1">
+              <a:shade val="50000"/>
+            </a:schemeClr>
+          </a:lnRef>
+          <a:fillRef idx="1">
+            <a:schemeClr val="accent1"/>
+          </a:fillRef>
+          <a:effectRef idx="0">
+            <a:schemeClr val="accent1"/>
+          </a:effectRef>
+          <a:fontRef idx="minor">
+            <a:schemeClr val="lt1"/>
+          </a:fontRef>
+        </p:style>
+        <p:txBody>
+          <a:bodyPr rtlCol="0" anchor="ctr"/>
+          <a:lstStyle/>
+          <a:p>
+            <a:pPr algn="ctr"/>
+            <a:r>
+              <a:rPr kumimoji="1" lang="en-US" altLang="ja-JP" sz="4000" dirty="0">
                 <a:solidFill>
-                  <a:schemeClr val="accent4">
-                    <a:lumMod val="60000"/>
-                    <a:lumOff val="40000"/>
-                  </a:schemeClr>
+                  <a:schemeClr val="tx1"/>
                 </a:solidFill>
-                <a:latin typeface="Latha" panose="020B0604020202020204" pitchFamily="34" charset="0"/>
-                <a:cs typeface="Latha" panose="020B0604020202020204" pitchFamily="34" charset="0"/>
               </a:rPr>
-              <a:t>・</a:t>
-            </a:r>
-            <a:r>
-              <a:rPr lang="en-US" altLang="ja-JP" sz="5400" b="1" dirty="0">
+              <a:t>Drag and drop to convert images to </a:t>
+            </a:r>
+            <a:r>
+              <a:rPr kumimoji="1" lang="en-US" altLang="ja-JP" sz="4000" dirty="0" err="1">
                 <a:solidFill>
-                  <a:schemeClr val="accent4">
-                    <a:lumMod val="60000"/>
-                    <a:lumOff val="40000"/>
-                  </a:schemeClr>
+                  <a:schemeClr val="tx1"/>
                 </a:solidFill>
-                <a:latin typeface="Latha" panose="020B0604020202020204" pitchFamily="34" charset="0"/>
-                <a:cs typeface="Latha" panose="020B0604020202020204" pitchFamily="34" charset="0"/>
-              </a:rPr>
-              <a:t>Convert to </a:t>
-            </a:r>
-            <a:r>
-              <a:rPr lang="en-US" altLang="ja-JP" sz="5400" b="1" dirty="0" err="1">
-                <a:solidFill>
-                  <a:schemeClr val="accent4">
-                    <a:lumMod val="60000"/>
-                    <a:lumOff val="40000"/>
-                  </a:schemeClr>
-                </a:solidFill>
-                <a:latin typeface="Latha" panose="020B0604020202020204" pitchFamily="34" charset="0"/>
-                <a:cs typeface="Latha" panose="020B0604020202020204" pitchFamily="34" charset="0"/>
               </a:rPr>
               <a:t>WebP</a:t>
             </a:r>
             <a:r>
-              <a:rPr lang="en-US" altLang="ja-JP" sz="5400" b="1" dirty="0">
+              <a:rPr kumimoji="1" lang="en-US" altLang="ja-JP" sz="4000" dirty="0">
                 <a:solidFill>
-                  <a:schemeClr val="accent4">
-                    <a:lumMod val="60000"/>
-                    <a:lumOff val="40000"/>
-                  </a:schemeClr>
+                  <a:schemeClr val="tx1"/>
                 </a:solidFill>
-                <a:latin typeface="Latha" panose="020B0604020202020204" pitchFamily="34" charset="0"/>
-                <a:cs typeface="Latha" panose="020B0604020202020204" pitchFamily="34" charset="0"/>
               </a:rPr>
               <a:t> format.</a:t>
             </a:r>
-          </a:p>
-          <a:p>
-            <a:r>
-              <a:rPr lang="ja-JP" altLang="en-US" sz="5400" b="1">
-                <a:solidFill>
-                  <a:schemeClr val="accent4">
-                    <a:lumMod val="60000"/>
-                    <a:lumOff val="40000"/>
-                  </a:schemeClr>
-                </a:solidFill>
-                <a:latin typeface="Latha" panose="020B0604020202020204" pitchFamily="34" charset="0"/>
-                <a:cs typeface="Latha" panose="020B0604020202020204" pitchFamily="34" charset="0"/>
-              </a:rPr>
-              <a:t>・</a:t>
-            </a:r>
-            <a:r>
-              <a:rPr lang="en-US" altLang="ja-JP" sz="5400" b="1" dirty="0">
-                <a:solidFill>
-                  <a:schemeClr val="accent4">
-                    <a:lumMod val="60000"/>
-                    <a:lumOff val="40000"/>
-                  </a:schemeClr>
-                </a:solidFill>
-                <a:latin typeface="Latha" panose="020B0604020202020204" pitchFamily="34" charset="0"/>
-                <a:cs typeface="Latha" panose="020B0604020202020204" pitchFamily="34" charset="0"/>
-              </a:rPr>
-              <a:t>Just drag the image.</a:t>
-            </a:r>
-          </a:p>
-          <a:p>
-            <a:r>
-              <a:rPr lang="ja-JP" altLang="en-US" sz="5400" b="1">
-                <a:solidFill>
-                  <a:schemeClr val="accent4">
-                    <a:lumMod val="60000"/>
-                    <a:lumOff val="40000"/>
-                  </a:schemeClr>
-                </a:solidFill>
-                <a:latin typeface="Latha" panose="020B0604020202020204" pitchFamily="34" charset="0"/>
-                <a:cs typeface="Latha" panose="020B0604020202020204" pitchFamily="34" charset="0"/>
-              </a:rPr>
-              <a:t>・</a:t>
-            </a:r>
-            <a:r>
-              <a:rPr lang="en-US" altLang="ja-JP" sz="5400" b="1" dirty="0">
-                <a:solidFill>
-                  <a:schemeClr val="accent4">
-                    <a:lumMod val="60000"/>
-                    <a:lumOff val="40000"/>
-                  </a:schemeClr>
-                </a:solidFill>
-                <a:latin typeface="Latha" panose="020B0604020202020204" pitchFamily="34" charset="0"/>
-                <a:cs typeface="Latha" panose="020B0604020202020204" pitchFamily="34" charset="0"/>
-              </a:rPr>
-              <a:t>Can compress Size.</a:t>
-            </a:r>
-            <a:endParaRPr lang="ja-JP" altLang="en-US" sz="5400" b="1">
+            <a:endParaRPr kumimoji="1" lang="ja-JP" altLang="en-US" sz="4000">
               <a:solidFill>
-                <a:schemeClr val="accent4">
-                  <a:lumMod val="60000"/>
-                  <a:lumOff val="40000"/>
-                </a:schemeClr>
+                <a:schemeClr val="tx1"/>
               </a:solidFill>
-              <a:latin typeface="Latha" panose="020B0604020202020204" pitchFamily="34" charset="0"/>
-              <a:cs typeface="Latha" panose="020B0604020202020204" pitchFamily="34" charset="0"/>
             </a:endParaRPr>
           </a:p>
         </p:txBody>

--- a/docs/description.pptx
+++ b/docs/description.pptx
@@ -6,6 +6,7 @@
   </p:sldMasterIdLst>
   <p:sldIdLst>
     <p:sldId id="257" r:id="rId2"/>
+    <p:sldId id="258" r:id="rId3"/>
   </p:sldIdLst>
   <p:sldSz cx="16257588" cy="10158413"/>
   <p:notesSz cx="6858000" cy="9144000"/>
@@ -243,7 +244,7 @@
           <a:p>
             <a:fld id="{06D8584B-9FA9-D049-96F3-CAA7923F5299}" type="datetimeFigureOut">
               <a:rPr kumimoji="1" lang="ja-JP" altLang="en-US" smtClean="0"/>
-              <a:t>2022/8/4</a:t>
+              <a:t>2022/8/7</a:t>
             </a:fld>
             <a:endParaRPr kumimoji="1" lang="ja-JP" altLang="en-US"/>
           </a:p>
@@ -445,7 +446,7 @@
           <a:p>
             <a:fld id="{06D8584B-9FA9-D049-96F3-CAA7923F5299}" type="datetimeFigureOut">
               <a:rPr kumimoji="1" lang="ja-JP" altLang="en-US" smtClean="0"/>
-              <a:t>2022/8/4</a:t>
+              <a:t>2022/8/7</a:t>
             </a:fld>
             <a:endParaRPr kumimoji="1" lang="ja-JP" altLang="en-US"/>
           </a:p>
@@ -657,7 +658,7 @@
           <a:p>
             <a:fld id="{06D8584B-9FA9-D049-96F3-CAA7923F5299}" type="datetimeFigureOut">
               <a:rPr kumimoji="1" lang="ja-JP" altLang="en-US" smtClean="0"/>
-              <a:t>2022/8/4</a:t>
+              <a:t>2022/8/7</a:t>
             </a:fld>
             <a:endParaRPr kumimoji="1" lang="ja-JP" altLang="en-US"/>
           </a:p>
@@ -859,7 +860,7 @@
           <a:p>
             <a:fld id="{06D8584B-9FA9-D049-96F3-CAA7923F5299}" type="datetimeFigureOut">
               <a:rPr kumimoji="1" lang="ja-JP" altLang="en-US" smtClean="0"/>
-              <a:t>2022/8/4</a:t>
+              <a:t>2022/8/7</a:t>
             </a:fld>
             <a:endParaRPr kumimoji="1" lang="ja-JP" altLang="en-US"/>
           </a:p>
@@ -1105,7 +1106,7 @@
           <a:p>
             <a:fld id="{06D8584B-9FA9-D049-96F3-CAA7923F5299}" type="datetimeFigureOut">
               <a:rPr kumimoji="1" lang="ja-JP" altLang="en-US" smtClean="0"/>
-              <a:t>2022/8/4</a:t>
+              <a:t>2022/8/7</a:t>
             </a:fld>
             <a:endParaRPr kumimoji="1" lang="ja-JP" altLang="en-US"/>
           </a:p>
@@ -1401,7 +1402,7 @@
           <a:p>
             <a:fld id="{06D8584B-9FA9-D049-96F3-CAA7923F5299}" type="datetimeFigureOut">
               <a:rPr kumimoji="1" lang="ja-JP" altLang="en-US" smtClean="0"/>
-              <a:t>2022/8/4</a:t>
+              <a:t>2022/8/7</a:t>
             </a:fld>
             <a:endParaRPr kumimoji="1" lang="ja-JP" altLang="en-US"/>
           </a:p>
@@ -1832,7 +1833,7 @@
           <a:p>
             <a:fld id="{06D8584B-9FA9-D049-96F3-CAA7923F5299}" type="datetimeFigureOut">
               <a:rPr kumimoji="1" lang="ja-JP" altLang="en-US" smtClean="0"/>
-              <a:t>2022/8/4</a:t>
+              <a:t>2022/8/7</a:t>
             </a:fld>
             <a:endParaRPr kumimoji="1" lang="ja-JP" altLang="en-US"/>
           </a:p>
@@ -1950,7 +1951,7 @@
           <a:p>
             <a:fld id="{06D8584B-9FA9-D049-96F3-CAA7923F5299}" type="datetimeFigureOut">
               <a:rPr kumimoji="1" lang="ja-JP" altLang="en-US" smtClean="0"/>
-              <a:t>2022/8/4</a:t>
+              <a:t>2022/8/7</a:t>
             </a:fld>
             <a:endParaRPr kumimoji="1" lang="ja-JP" altLang="en-US"/>
           </a:p>
@@ -2045,7 +2046,7 @@
           <a:p>
             <a:fld id="{06D8584B-9FA9-D049-96F3-CAA7923F5299}" type="datetimeFigureOut">
               <a:rPr kumimoji="1" lang="ja-JP" altLang="en-US" smtClean="0"/>
-              <a:t>2022/8/4</a:t>
+              <a:t>2022/8/7</a:t>
             </a:fld>
             <a:endParaRPr kumimoji="1" lang="ja-JP" altLang="en-US"/>
           </a:p>
@@ -2354,7 +2355,7 @@
           <a:p>
             <a:fld id="{06D8584B-9FA9-D049-96F3-CAA7923F5299}" type="datetimeFigureOut">
               <a:rPr kumimoji="1" lang="ja-JP" altLang="en-US" smtClean="0"/>
-              <a:t>2022/8/4</a:t>
+              <a:t>2022/8/7</a:t>
             </a:fld>
             <a:endParaRPr kumimoji="1" lang="ja-JP" altLang="en-US"/>
           </a:p>
@@ -2611,7 +2612,7 @@
           <a:p>
             <a:fld id="{06D8584B-9FA9-D049-96F3-CAA7923F5299}" type="datetimeFigureOut">
               <a:rPr kumimoji="1" lang="ja-JP" altLang="en-US" smtClean="0"/>
-              <a:t>2022/8/4</a:t>
+              <a:t>2022/8/7</a:t>
             </a:fld>
             <a:endParaRPr kumimoji="1" lang="ja-JP" altLang="en-US"/>
           </a:p>
@@ -2856,7 +2857,7 @@
           <a:p>
             <a:fld id="{06D8584B-9FA9-D049-96F3-CAA7923F5299}" type="datetimeFigureOut">
               <a:rPr kumimoji="1" lang="ja-JP" altLang="en-US" smtClean="0"/>
-              <a:t>2022/8/4</a:t>
+              <a:t>2022/8/7</a:t>
             </a:fld>
             <a:endParaRPr kumimoji="1" lang="ja-JP" altLang="en-US"/>
           </a:p>
@@ -3399,6 +3400,249 @@
 </p:sld>
 </file>
 
+<file path=ppt/slides/slide2.xml><?xml version="1.0" encoding="utf-8"?>
+<p:sld xmlns:a="http://schemas.openxmlformats.org/drawingml/2006/main" xmlns:r="http://schemas.openxmlformats.org/officeDocument/2006/relationships" xmlns:p="http://schemas.openxmlformats.org/presentationml/2006/main">
+  <p:cSld>
+    <p:bg>
+      <p:bgPr>
+        <a:solidFill>
+          <a:schemeClr val="tx1">
+            <a:lumMod val="75000"/>
+            <a:lumOff val="25000"/>
+          </a:schemeClr>
+        </a:solidFill>
+        <a:effectLst/>
+      </p:bgPr>
+    </p:bg>
+    <p:spTree>
+      <p:nvGrpSpPr>
+        <p:cNvPr id="1" name=""/>
+        <p:cNvGrpSpPr/>
+        <p:nvPr/>
+      </p:nvGrpSpPr>
+      <p:grpSpPr>
+        <a:xfrm>
+          <a:off x="0" y="0"/>
+          <a:ext cx="0" cy="0"/>
+          <a:chOff x="0" y="0"/>
+          <a:chExt cx="0" cy="0"/>
+        </a:xfrm>
+      </p:grpSpPr>
+      <p:pic>
+        <p:nvPicPr>
+          <p:cNvPr id="3" name="図 2" descr="テキスト, ホワイトボード&#10;&#10;自動的に生成された説明">
+            <a:extLst>
+              <a:ext uri="{FF2B5EF4-FFF2-40B4-BE49-F238E27FC236}">
+                <a16:creationId xmlns:a16="http://schemas.microsoft.com/office/drawing/2014/main" id="{5A0E3ACF-0EEF-61AB-AA02-F7B3E53A4C47}"/>
+              </a:ext>
+            </a:extLst>
+          </p:cNvPr>
+          <p:cNvPicPr>
+            <a:picLocks noChangeAspect="1"/>
+          </p:cNvPicPr>
+          <p:nvPr/>
+        </p:nvPicPr>
+        <p:blipFill>
+          <a:blip r:embed="rId2"/>
+          <a:stretch>
+            <a:fillRect/>
+          </a:stretch>
+        </p:blipFill>
+        <p:spPr>
+          <a:xfrm>
+            <a:off x="1824246" y="472016"/>
+            <a:ext cx="5041900" cy="5016500"/>
+          </a:xfrm>
+          <a:prstGeom prst="rect">
+            <a:avLst/>
+          </a:prstGeom>
+        </p:spPr>
+      </p:pic>
+      <p:pic>
+        <p:nvPicPr>
+          <p:cNvPr id="7" name="図 6" descr="グラフィカル ユーザー インターフェイス, テキスト&#10;&#10;自動的に生成された説明">
+            <a:extLst>
+              <a:ext uri="{FF2B5EF4-FFF2-40B4-BE49-F238E27FC236}">
+                <a16:creationId xmlns:a16="http://schemas.microsoft.com/office/drawing/2014/main" id="{1EC2FB29-5D70-F338-3D50-367379F1F5A0}"/>
+              </a:ext>
+            </a:extLst>
+          </p:cNvPr>
+          <p:cNvPicPr>
+            <a:picLocks noChangeAspect="1"/>
+          </p:cNvPicPr>
+          <p:nvPr/>
+        </p:nvPicPr>
+        <p:blipFill>
+          <a:blip r:embed="rId3"/>
+          <a:stretch>
+            <a:fillRect/>
+          </a:stretch>
+        </p:blipFill>
+        <p:spPr>
+          <a:xfrm>
+            <a:off x="8722752" y="5340202"/>
+            <a:ext cx="5383366" cy="4576372"/>
+          </a:xfrm>
+          <a:prstGeom prst="rect">
+            <a:avLst/>
+          </a:prstGeom>
+        </p:spPr>
+      </p:pic>
+      <p:sp>
+        <p:nvSpPr>
+          <p:cNvPr id="8" name="角丸四角形吹き出し 7">
+            <a:extLst>
+              <a:ext uri="{FF2B5EF4-FFF2-40B4-BE49-F238E27FC236}">
+                <a16:creationId xmlns:a16="http://schemas.microsoft.com/office/drawing/2014/main" id="{C0C5E65B-068E-6F08-9918-67F2C6764A5E}"/>
+              </a:ext>
+            </a:extLst>
+          </p:cNvPr>
+          <p:cNvSpPr/>
+          <p:nvPr/>
+        </p:nvSpPr>
+        <p:spPr>
+          <a:xfrm>
+            <a:off x="2151470" y="6158823"/>
+            <a:ext cx="6089904" cy="3675888"/>
+          </a:xfrm>
+          <a:prstGeom prst="wedgeRoundRectCallout">
+            <a:avLst>
+              <a:gd name="adj1" fmla="val 64422"/>
+              <a:gd name="adj2" fmla="val 35516"/>
+              <a:gd name="adj3" fmla="val 16667"/>
+            </a:avLst>
+          </a:prstGeom>
+          <a:solidFill>
+            <a:schemeClr val="accent4">
+              <a:lumMod val="40000"/>
+              <a:lumOff val="60000"/>
+            </a:schemeClr>
+          </a:solidFill>
+        </p:spPr>
+        <p:style>
+          <a:lnRef idx="2">
+            <a:schemeClr val="accent1">
+              <a:shade val="50000"/>
+            </a:schemeClr>
+          </a:lnRef>
+          <a:fillRef idx="1">
+            <a:schemeClr val="accent1"/>
+          </a:fillRef>
+          <a:effectRef idx="0">
+            <a:schemeClr val="accent1"/>
+          </a:effectRef>
+          <a:fontRef idx="minor">
+            <a:schemeClr val="lt1"/>
+          </a:fontRef>
+        </p:style>
+        <p:txBody>
+          <a:bodyPr rtlCol="0" anchor="ctr"/>
+          <a:lstStyle/>
+          <a:p>
+            <a:pPr algn="ctr"/>
+            <a:r>
+              <a:rPr kumimoji="1" lang="en-US" altLang="ja-JP" sz="4000" dirty="0">
+                <a:solidFill>
+                  <a:schemeClr val="tx1"/>
+                </a:solidFill>
+              </a:rPr>
+              <a:t>File will be downloaded automatically.</a:t>
+            </a:r>
+          </a:p>
+        </p:txBody>
+      </p:sp>
+      <p:sp>
+        <p:nvSpPr>
+          <p:cNvPr id="6" name="角丸四角形吹き出し 5">
+            <a:extLst>
+              <a:ext uri="{FF2B5EF4-FFF2-40B4-BE49-F238E27FC236}">
+                <a16:creationId xmlns:a16="http://schemas.microsoft.com/office/drawing/2014/main" id="{96AFFA22-C636-8A47-8318-53955A3DEAE2}"/>
+              </a:ext>
+            </a:extLst>
+          </p:cNvPr>
+          <p:cNvSpPr/>
+          <p:nvPr/>
+        </p:nvSpPr>
+        <p:spPr>
+          <a:xfrm>
+            <a:off x="8016214" y="1142322"/>
+            <a:ext cx="6089904" cy="3675888"/>
+          </a:xfrm>
+          <a:prstGeom prst="wedgeRoundRectCallout">
+            <a:avLst>
+              <a:gd name="adj1" fmla="val -74022"/>
+              <a:gd name="adj2" fmla="val -10019"/>
+              <a:gd name="adj3" fmla="val 16667"/>
+            </a:avLst>
+          </a:prstGeom>
+          <a:solidFill>
+            <a:schemeClr val="accent4">
+              <a:lumMod val="40000"/>
+              <a:lumOff val="60000"/>
+            </a:schemeClr>
+          </a:solidFill>
+        </p:spPr>
+        <p:style>
+          <a:lnRef idx="2">
+            <a:schemeClr val="accent1">
+              <a:shade val="50000"/>
+            </a:schemeClr>
+          </a:lnRef>
+          <a:fillRef idx="1">
+            <a:schemeClr val="accent1"/>
+          </a:fillRef>
+          <a:effectRef idx="0">
+            <a:schemeClr val="accent1"/>
+          </a:effectRef>
+          <a:fontRef idx="minor">
+            <a:schemeClr val="lt1"/>
+          </a:fontRef>
+        </p:style>
+        <p:txBody>
+          <a:bodyPr rtlCol="0" anchor="ctr"/>
+          <a:lstStyle/>
+          <a:p>
+            <a:pPr algn="ctr"/>
+            <a:r>
+              <a:rPr kumimoji="1" lang="en-US" altLang="ja-JP" sz="4000" dirty="0">
+                <a:solidFill>
+                  <a:schemeClr val="tx1"/>
+                </a:solidFill>
+              </a:rPr>
+              <a:t>Drag and drop to convert images to </a:t>
+            </a:r>
+            <a:r>
+              <a:rPr kumimoji="1" lang="en-US" altLang="ja-JP" sz="4000" dirty="0" err="1">
+                <a:solidFill>
+                  <a:schemeClr val="tx1"/>
+                </a:solidFill>
+              </a:rPr>
+              <a:t>WebP</a:t>
+            </a:r>
+            <a:r>
+              <a:rPr kumimoji="1" lang="en-US" altLang="ja-JP" sz="4000" dirty="0">
+                <a:solidFill>
+                  <a:schemeClr val="tx1"/>
+                </a:solidFill>
+              </a:rPr>
+              <a:t> format</a:t>
+            </a:r>
+          </a:p>
+        </p:txBody>
+      </p:sp>
+    </p:spTree>
+    <p:extLst>
+      <p:ext uri="{BB962C8B-B14F-4D97-AF65-F5344CB8AC3E}">
+        <p14:creationId xmlns:p14="http://schemas.microsoft.com/office/powerpoint/2010/main" val="625282451"/>
+      </p:ext>
+    </p:extLst>
+  </p:cSld>
+  <p:clrMapOvr>
+    <a:masterClrMapping/>
+  </p:clrMapOvr>
+</p:sld>
+</file>
+
 <file path=ppt/theme/theme1.xml><?xml version="1.0" encoding="utf-8"?>
 <a:theme xmlns:a="http://schemas.openxmlformats.org/drawingml/2006/main" name="Office テーマ">
   <a:themeElements>
